--- a/Docs/PLACA PN532.pptx
+++ b/Docs/PLACA PN532.pptx
@@ -259,7 +259,7 @@
           <a:p>
             <a:fld id="{0AB2487D-D0A6-4CB5-9D61-FB5F88498776}" type="datetimeFigureOut">
               <a:rPr lang="pt-BR" smtClean="0"/>
-              <a:t>07/07/2018</a:t>
+              <a:t>29/08/2018</a:t>
             </a:fld>
             <a:endParaRPr lang="pt-BR"/>
           </a:p>
@@ -457,7 +457,7 @@
           <a:p>
             <a:fld id="{0AB2487D-D0A6-4CB5-9D61-FB5F88498776}" type="datetimeFigureOut">
               <a:rPr lang="pt-BR" smtClean="0"/>
-              <a:t>07/07/2018</a:t>
+              <a:t>29/08/2018</a:t>
             </a:fld>
             <a:endParaRPr lang="pt-BR"/>
           </a:p>
@@ -665,7 +665,7 @@
           <a:p>
             <a:fld id="{0AB2487D-D0A6-4CB5-9D61-FB5F88498776}" type="datetimeFigureOut">
               <a:rPr lang="pt-BR" smtClean="0"/>
-              <a:t>07/07/2018</a:t>
+              <a:t>29/08/2018</a:t>
             </a:fld>
             <a:endParaRPr lang="pt-BR"/>
           </a:p>
@@ -863,7 +863,7 @@
           <a:p>
             <a:fld id="{0AB2487D-D0A6-4CB5-9D61-FB5F88498776}" type="datetimeFigureOut">
               <a:rPr lang="pt-BR" smtClean="0"/>
-              <a:t>07/07/2018</a:t>
+              <a:t>29/08/2018</a:t>
             </a:fld>
             <a:endParaRPr lang="pt-BR"/>
           </a:p>
@@ -1138,7 +1138,7 @@
           <a:p>
             <a:fld id="{0AB2487D-D0A6-4CB5-9D61-FB5F88498776}" type="datetimeFigureOut">
               <a:rPr lang="pt-BR" smtClean="0"/>
-              <a:t>07/07/2018</a:t>
+              <a:t>29/08/2018</a:t>
             </a:fld>
             <a:endParaRPr lang="pt-BR"/>
           </a:p>
@@ -1403,7 +1403,7 @@
           <a:p>
             <a:fld id="{0AB2487D-D0A6-4CB5-9D61-FB5F88498776}" type="datetimeFigureOut">
               <a:rPr lang="pt-BR" smtClean="0"/>
-              <a:t>07/07/2018</a:t>
+              <a:t>29/08/2018</a:t>
             </a:fld>
             <a:endParaRPr lang="pt-BR"/>
           </a:p>
@@ -1815,7 +1815,7 @@
           <a:p>
             <a:fld id="{0AB2487D-D0A6-4CB5-9D61-FB5F88498776}" type="datetimeFigureOut">
               <a:rPr lang="pt-BR" smtClean="0"/>
-              <a:t>07/07/2018</a:t>
+              <a:t>29/08/2018</a:t>
             </a:fld>
             <a:endParaRPr lang="pt-BR"/>
           </a:p>
@@ -1956,7 +1956,7 @@
           <a:p>
             <a:fld id="{0AB2487D-D0A6-4CB5-9D61-FB5F88498776}" type="datetimeFigureOut">
               <a:rPr lang="pt-BR" smtClean="0"/>
-              <a:t>07/07/2018</a:t>
+              <a:t>29/08/2018</a:t>
             </a:fld>
             <a:endParaRPr lang="pt-BR"/>
           </a:p>
@@ -2069,7 +2069,7 @@
           <a:p>
             <a:fld id="{0AB2487D-D0A6-4CB5-9D61-FB5F88498776}" type="datetimeFigureOut">
               <a:rPr lang="pt-BR" smtClean="0"/>
-              <a:t>07/07/2018</a:t>
+              <a:t>29/08/2018</a:t>
             </a:fld>
             <a:endParaRPr lang="pt-BR"/>
           </a:p>
@@ -2380,7 +2380,7 @@
           <a:p>
             <a:fld id="{0AB2487D-D0A6-4CB5-9D61-FB5F88498776}" type="datetimeFigureOut">
               <a:rPr lang="pt-BR" smtClean="0"/>
-              <a:t>07/07/2018</a:t>
+              <a:t>29/08/2018</a:t>
             </a:fld>
             <a:endParaRPr lang="pt-BR"/>
           </a:p>
@@ -2668,7 +2668,7 @@
           <a:p>
             <a:fld id="{0AB2487D-D0A6-4CB5-9D61-FB5F88498776}" type="datetimeFigureOut">
               <a:rPr lang="pt-BR" smtClean="0"/>
-              <a:t>07/07/2018</a:t>
+              <a:t>29/08/2018</a:t>
             </a:fld>
             <a:endParaRPr lang="pt-BR"/>
           </a:p>
@@ -2909,7 +2909,7 @@
           <a:p>
             <a:fld id="{0AB2487D-D0A6-4CB5-9D61-FB5F88498776}" type="datetimeFigureOut">
               <a:rPr lang="pt-BR" smtClean="0"/>
-              <a:t>07/07/2018</a:t>
+              <a:t>29/08/2018</a:t>
             </a:fld>
             <a:endParaRPr lang="pt-BR"/>
           </a:p>
@@ -3377,7 +3377,7 @@
         <p:spPr>
           <a:xfrm>
             <a:off x="7694544" y="1877934"/>
-            <a:ext cx="902619" cy="2308324"/>
+            <a:ext cx="1814920" cy="2308324"/>
           </a:xfrm>
           <a:prstGeom prst="rect">
             <a:avLst/>
@@ -3398,20 +3398,50 @@
           <a:p>
             <a:r>
               <a:rPr lang="pt-BR" dirty="0"/>
-              <a:t>M    50</a:t>
-            </a:r>
+              <a:t>M    50 </a:t>
+            </a:r>
+            <a:r>
+              <a:rPr lang="it-IT" dirty="0">
+                <a:solidFill>
+                  <a:srgbClr val="000000"/>
+                </a:solidFill>
+                <a:latin typeface="Arial" panose="020B0604020202020204" pitchFamily="34" charset="0"/>
+              </a:rPr>
+              <a:t>(MISO) </a:t>
+            </a:r>
+            <a:endParaRPr lang="pt-BR" dirty="0"/>
           </a:p>
           <a:p>
             <a:r>
               <a:rPr lang="pt-BR" dirty="0"/>
-              <a:t>SDA  51</a:t>
-            </a:r>
+              <a:t>SDA  51 </a:t>
+            </a:r>
+            <a:r>
+              <a:rPr lang="it-IT" dirty="0">
+                <a:solidFill>
+                  <a:srgbClr val="000000"/>
+                </a:solidFill>
+                <a:latin typeface="Arial" panose="020B0604020202020204" pitchFamily="34" charset="0"/>
+              </a:rPr>
+              <a:t>(MOSI) </a:t>
+            </a:r>
+            <a:endParaRPr lang="pt-BR" dirty="0"/>
           </a:p>
           <a:p>
             <a:r>
               <a:rPr lang="pt-BR" dirty="0"/>
-              <a:t>SCL  53</a:t>
-            </a:r>
+              <a:t>SCL  53 </a:t>
+            </a:r>
+            <a:r>
+              <a:rPr lang="it-IT" dirty="0">
+                <a:solidFill>
+                  <a:srgbClr val="000000"/>
+                </a:solidFill>
+                <a:latin typeface="Arial" panose="020B0604020202020204" pitchFamily="34" charset="0"/>
+              </a:rPr>
+              <a:t>(SS-sda)</a:t>
+            </a:r>
+            <a:endParaRPr lang="pt-BR" dirty="0"/>
           </a:p>
           <a:p>
             <a:r>
@@ -3422,7 +3452,15 @@
           <a:p>
             <a:r>
               <a:rPr lang="pt-BR" dirty="0"/>
-              <a:t>-</a:t>
+              <a:t>- </a:t>
+            </a:r>
+            <a:r>
+              <a:rPr lang="pt-BR" dirty="0" err="1"/>
+              <a:t>Rst</a:t>
+            </a:r>
+            <a:r>
+              <a:rPr lang="pt-BR" dirty="0"/>
+              <a:t> (30)</a:t>
             </a:r>
           </a:p>
           <a:p>
@@ -3436,6 +3474,90 @@
               <a:rPr lang="pt-BR" dirty="0"/>
               <a:t>5V</a:t>
             </a:r>
+          </a:p>
+        </p:txBody>
+      </p:sp>
+      <p:sp>
+        <p:nvSpPr>
+          <p:cNvPr id="2" name="Retângulo 1">
+            <a:extLst>
+              <a:ext uri="{FF2B5EF4-FFF2-40B4-BE49-F238E27FC236}">
+                <a16:creationId xmlns:a16="http://schemas.microsoft.com/office/drawing/2014/main" id="{0D6A3C89-DC8E-48AF-A2FB-B5FCB6D1DAE3}"/>
+              </a:ext>
+            </a:extLst>
+          </p:cNvPr>
+          <p:cNvSpPr/>
+          <p:nvPr/>
+        </p:nvSpPr>
+        <p:spPr>
+          <a:xfrm>
+            <a:off x="3941160" y="4914108"/>
+            <a:ext cx="5237331" cy="369332"/>
+          </a:xfrm>
+          <a:prstGeom prst="rect">
+            <a:avLst/>
+          </a:prstGeom>
+        </p:spPr>
+        <p:txBody>
+          <a:bodyPr wrap="none">
+            <a:spAutoFit/>
+          </a:bodyPr>
+          <a:lstStyle/>
+          <a:p>
+            <a:r>
+              <a:rPr lang="it-IT" dirty="0">
+                <a:solidFill>
+                  <a:srgbClr val="000000"/>
+                </a:solidFill>
+                <a:latin typeface="Arial" panose="020B0604020202020204" pitchFamily="34" charset="0"/>
+              </a:rPr>
+              <a:t>MEGA: 50 (MISO) ; 51(MOSI) ; 52(SCK) ; 53(SS)</a:t>
+            </a:r>
+            <a:endParaRPr lang="pt-BR" dirty="0"/>
+          </a:p>
+        </p:txBody>
+      </p:sp>
+      <p:sp>
+        <p:nvSpPr>
+          <p:cNvPr id="3" name="CaixaDeTexto 2">
+            <a:extLst>
+              <a:ext uri="{FF2B5EF4-FFF2-40B4-BE49-F238E27FC236}">
+                <a16:creationId xmlns:a16="http://schemas.microsoft.com/office/drawing/2014/main" id="{9FECE26C-14F2-4A90-849B-309CD1E301D9}"/>
+              </a:ext>
+            </a:extLst>
+          </p:cNvPr>
+          <p:cNvSpPr txBox="1"/>
+          <p:nvPr/>
+        </p:nvSpPr>
+        <p:spPr>
+          <a:xfrm>
+            <a:off x="5594901" y="4460224"/>
+            <a:ext cx="1002197" cy="369332"/>
+          </a:xfrm>
+          <a:prstGeom prst="rect">
+            <a:avLst/>
+          </a:prstGeom>
+          <a:noFill/>
+        </p:spPr>
+        <p:txBody>
+          <a:bodyPr wrap="none" rtlCol="0">
+            <a:spAutoFit/>
+          </a:bodyPr>
+          <a:lstStyle/>
+          <a:p>
+            <a:r>
+              <a:rPr lang="pt-BR" dirty="0" err="1"/>
+              <a:t>Lo</a:t>
+            </a:r>
+            <a:r>
+              <a:rPr lang="pt-BR" dirty="0"/>
+              <a:t>        </a:t>
+            </a:r>
+            <a:r>
+              <a:rPr lang="pt-BR" dirty="0" err="1"/>
+              <a:t>hi</a:t>
+            </a:r>
+            <a:endParaRPr lang="pt-BR" dirty="0"/>
           </a:p>
         </p:txBody>
       </p:sp>
